--- a/Second_level_analysis_template_scripts/canlab_second_level_batch_flowcharts.pptx
+++ b/Second_level_analysis_template_scripts/canlab_second_level_batch_flowcharts.pptx
@@ -7,6 +7,9 @@
   <p:sldIdLst>
     <p:sldId id="256" r:id="rId2"/>
     <p:sldId id="257" r:id="rId3"/>
+    <p:sldId id="258" r:id="rId4"/>
+    <p:sldId id="260" r:id="rId5"/>
+    <p:sldId id="259" r:id="rId6"/>
   </p:sldIdLst>
   <p:sldSz cx="12192000" cy="6858000"/>
   <p:notesSz cx="6858000" cy="9144000"/>
@@ -105,6 +108,11 @@
       </a:defRPr>
     </a:lvl9pPr>
   </p:defaultTextStyle>
+  <p:extLst>
+    <p:ext uri="{EFAFB233-063F-42B5-8137-9DF3F51BA10A}">
+      <p15:sldGuideLst xmlns:p15="http://schemas.microsoft.com/office/powerpoint/2012/main"/>
+    </p:ext>
+  </p:extLst>
 </p:presentation>
 </file>
 
@@ -255,7 +263,7 @@
           <a:p>
             <a:fld id="{CF612E81-1CA3-8C47-9A87-B045F67192D7}" type="datetimeFigureOut">
               <a:rPr lang="en-US" smtClean="0"/>
-              <a:t>9/3/18</a:t>
+              <a:t>9/5/18</a:t>
             </a:fld>
             <a:endParaRPr lang="en-US"/>
           </a:p>
@@ -453,7 +461,7 @@
           <a:p>
             <a:fld id="{CF612E81-1CA3-8C47-9A87-B045F67192D7}" type="datetimeFigureOut">
               <a:rPr lang="en-US" smtClean="0"/>
-              <a:t>9/3/18</a:t>
+              <a:t>9/5/18</a:t>
             </a:fld>
             <a:endParaRPr lang="en-US"/>
           </a:p>
@@ -661,7 +669,7 @@
           <a:p>
             <a:fld id="{CF612E81-1CA3-8C47-9A87-B045F67192D7}" type="datetimeFigureOut">
               <a:rPr lang="en-US" smtClean="0"/>
-              <a:t>9/3/18</a:t>
+              <a:t>9/5/18</a:t>
             </a:fld>
             <a:endParaRPr lang="en-US"/>
           </a:p>
@@ -859,7 +867,7 @@
           <a:p>
             <a:fld id="{CF612E81-1CA3-8C47-9A87-B045F67192D7}" type="datetimeFigureOut">
               <a:rPr lang="en-US" smtClean="0"/>
-              <a:t>9/3/18</a:t>
+              <a:t>9/5/18</a:t>
             </a:fld>
             <a:endParaRPr lang="en-US"/>
           </a:p>
@@ -1134,7 +1142,7 @@
           <a:p>
             <a:fld id="{CF612E81-1CA3-8C47-9A87-B045F67192D7}" type="datetimeFigureOut">
               <a:rPr lang="en-US" smtClean="0"/>
-              <a:t>9/3/18</a:t>
+              <a:t>9/5/18</a:t>
             </a:fld>
             <a:endParaRPr lang="en-US"/>
           </a:p>
@@ -1399,7 +1407,7 @@
           <a:p>
             <a:fld id="{CF612E81-1CA3-8C47-9A87-B045F67192D7}" type="datetimeFigureOut">
               <a:rPr lang="en-US" smtClean="0"/>
-              <a:t>9/3/18</a:t>
+              <a:t>9/5/18</a:t>
             </a:fld>
             <a:endParaRPr lang="en-US"/>
           </a:p>
@@ -1811,7 +1819,7 @@
           <a:p>
             <a:fld id="{CF612E81-1CA3-8C47-9A87-B045F67192D7}" type="datetimeFigureOut">
               <a:rPr lang="en-US" smtClean="0"/>
-              <a:t>9/3/18</a:t>
+              <a:t>9/5/18</a:t>
             </a:fld>
             <a:endParaRPr lang="en-US"/>
           </a:p>
@@ -1952,7 +1960,7 @@
           <a:p>
             <a:fld id="{CF612E81-1CA3-8C47-9A87-B045F67192D7}" type="datetimeFigureOut">
               <a:rPr lang="en-US" smtClean="0"/>
-              <a:t>9/3/18</a:t>
+              <a:t>9/5/18</a:t>
             </a:fld>
             <a:endParaRPr lang="en-US"/>
           </a:p>
@@ -2065,7 +2073,7 @@
           <a:p>
             <a:fld id="{CF612E81-1CA3-8C47-9A87-B045F67192D7}" type="datetimeFigureOut">
               <a:rPr lang="en-US" smtClean="0"/>
-              <a:t>9/3/18</a:t>
+              <a:t>9/5/18</a:t>
             </a:fld>
             <a:endParaRPr lang="en-US"/>
           </a:p>
@@ -2376,7 +2384,7 @@
           <a:p>
             <a:fld id="{CF612E81-1CA3-8C47-9A87-B045F67192D7}" type="datetimeFigureOut">
               <a:rPr lang="en-US" smtClean="0"/>
-              <a:t>9/3/18</a:t>
+              <a:t>9/5/18</a:t>
             </a:fld>
             <a:endParaRPr lang="en-US"/>
           </a:p>
@@ -2664,7 +2672,7 @@
           <a:p>
             <a:fld id="{CF612E81-1CA3-8C47-9A87-B045F67192D7}" type="datetimeFigureOut">
               <a:rPr lang="en-US" smtClean="0"/>
-              <a:t>9/3/18</a:t>
+              <a:t>9/5/18</a:t>
             </a:fld>
             <a:endParaRPr lang="en-US"/>
           </a:p>
@@ -2905,7 +2913,7 @@
           <a:p>
             <a:fld id="{CF612E81-1CA3-8C47-9A87-B045F67192D7}" type="datetimeFigureOut">
               <a:rPr lang="en-US" smtClean="0"/>
-              <a:t>9/3/18</a:t>
+              <a:t>9/5/18</a:t>
             </a:fld>
             <a:endParaRPr lang="en-US"/>
           </a:p>
@@ -4803,6 +4811,979 @@
 </p:sld>
 </file>
 
+<file path=ppt/slides/slide3.xml><?xml version="1.0" encoding="utf-8"?>
+<p:sld xmlns:a="http://schemas.openxmlformats.org/drawingml/2006/main" xmlns:r="http://schemas.openxmlformats.org/officeDocument/2006/relationships" xmlns:p="http://schemas.openxmlformats.org/presentationml/2006/main">
+  <p:cSld>
+    <p:spTree>
+      <p:nvGrpSpPr>
+        <p:cNvPr id="1" name=""/>
+        <p:cNvGrpSpPr/>
+        <p:nvPr/>
+      </p:nvGrpSpPr>
+      <p:grpSpPr>
+        <a:xfrm>
+          <a:off x="0" y="0"/>
+          <a:ext cx="0" cy="0"/>
+          <a:chOff x="0" y="0"/>
+          <a:chExt cx="0" cy="0"/>
+        </a:xfrm>
+      </p:grpSpPr>
+      <p:sp>
+        <p:nvSpPr>
+          <p:cNvPr id="2" name="Title 1">
+            <a:extLst>
+              <a:ext uri="{FF2B5EF4-FFF2-40B4-BE49-F238E27FC236}">
+                <a16:creationId xmlns:a16="http://schemas.microsoft.com/office/drawing/2014/main" id="{44F9ECD0-AE64-784C-BF1F-7EC5A4643990}"/>
+              </a:ext>
+            </a:extLst>
+          </p:cNvPr>
+          <p:cNvSpPr>
+            <a:spLocks noGrp="1"/>
+          </p:cNvSpPr>
+          <p:nvPr>
+            <p:ph type="title"/>
+          </p:nvPr>
+        </p:nvSpPr>
+        <p:spPr>
+          <a:xfrm>
+            <a:off x="0" y="0"/>
+            <a:ext cx="10515600" cy="824459"/>
+          </a:xfrm>
+        </p:spPr>
+        <p:txBody>
+          <a:bodyPr/>
+          <a:lstStyle/>
+          <a:p>
+            <a:r>
+              <a:rPr lang="en-US" dirty="0" err="1"/>
+              <a:t>extract_measures_batch</a:t>
+            </a:r>
+            <a:endParaRPr lang="en-US" dirty="0"/>
+          </a:p>
+        </p:txBody>
+      </p:sp>
+      <p:sp>
+        <p:nvSpPr>
+          <p:cNvPr id="4" name="Rectangle 3">
+            <a:extLst>
+              <a:ext uri="{FF2B5EF4-FFF2-40B4-BE49-F238E27FC236}">
+                <a16:creationId xmlns:a16="http://schemas.microsoft.com/office/drawing/2014/main" id="{DA5F9E20-9CFD-174B-9E5F-DC2C78828F8D}"/>
+              </a:ext>
+            </a:extLst>
+          </p:cNvPr>
+          <p:cNvSpPr/>
+          <p:nvPr/>
+        </p:nvSpPr>
+        <p:spPr>
+          <a:xfrm>
+            <a:off x="194873" y="680223"/>
+            <a:ext cx="15634741" cy="5909310"/>
+          </a:xfrm>
+          <a:prstGeom prst="rect">
+            <a:avLst/>
+          </a:prstGeom>
+        </p:spPr>
+        <p:txBody>
+          <a:bodyPr wrap="square">
+            <a:spAutoFit/>
+          </a:bodyPr>
+          <a:lstStyle/>
+          <a:p>
+            <a:r>
+              <a:rPr lang="en-US" dirty="0"/>
+              <a:t>This is a method called </a:t>
+            </a:r>
+            <a:r>
+              <a:rPr lang="en-US" dirty="0" err="1"/>
+              <a:t>extract_measures_batch</a:t>
+            </a:r>
+            <a:r>
+              <a:rPr lang="en-US" dirty="0"/>
+              <a:t> for </a:t>
+            </a:r>
+            <a:r>
+              <a:rPr lang="en-US" dirty="0" err="1"/>
+              <a:t>fmri_objects</a:t>
+            </a:r>
+            <a:r>
+              <a:rPr lang="en-US" dirty="0"/>
+              <a:t>.  </a:t>
+            </a:r>
+          </a:p>
+          <a:p>
+            <a:r>
+              <a:rPr lang="en-US" dirty="0"/>
+              <a:t>  It Extracts a set of measures relevant for pattern-based and network-based analyses. </a:t>
+            </a:r>
+          </a:p>
+          <a:p>
+            <a:r>
+              <a:rPr lang="en-US" dirty="0"/>
+              <a:t>  The idea is to aggregate these across studies, and pull relevant measures from the set </a:t>
+            </a:r>
+          </a:p>
+          <a:p>
+            <a:r>
+              <a:rPr lang="en-US" dirty="0"/>
+              <a:t>  for particular analyses.  It returns the following structure:</a:t>
+            </a:r>
+          </a:p>
+          <a:p>
+            <a:endParaRPr lang="en-US" dirty="0"/>
+          </a:p>
+          <a:p>
+            <a:r>
+              <a:rPr lang="en-US" dirty="0"/>
+              <a:t>DAT = </a:t>
+            </a:r>
+          </a:p>
+          <a:p>
+            <a:r>
+              <a:rPr lang="en-US" dirty="0"/>
+              <a:t>  </a:t>
+            </a:r>
+          </a:p>
+          <a:p>
+            <a:r>
+              <a:rPr lang="en-US" dirty="0"/>
+              <a:t>    struct with fields:</a:t>
+            </a:r>
+          </a:p>
+          <a:p>
+            <a:r>
+              <a:rPr lang="en-US" dirty="0"/>
+              <a:t>  </a:t>
+            </a:r>
+          </a:p>
+          <a:p>
+            <a:r>
+              <a:rPr lang="en-US" dirty="0"/>
+              <a:t>         </a:t>
+            </a:r>
+            <a:r>
+              <a:rPr lang="en-US" dirty="0" err="1"/>
+              <a:t>extracted_on_date</a:t>
+            </a:r>
+            <a:r>
+              <a:rPr lang="en-US" dirty="0"/>
+              <a:t>: '05-Sep-2018_02_49? 	Date information was extracted</a:t>
+            </a:r>
+          </a:p>
+          <a:p>
+            <a:r>
+              <a:rPr lang="en-US" dirty="0"/>
+              <a:t>         </a:t>
+            </a:r>
+            <a:r>
+              <a:rPr lang="en-US" dirty="0" err="1"/>
+              <a:t>image_names</a:t>
+            </a:r>
+            <a:r>
+              <a:rPr lang="en-US" dirty="0"/>
+              <a:t>: 'wrrest_mb8_r1.nii? 	Original image names (no paths)</a:t>
+            </a:r>
+          </a:p>
+          <a:p>
+            <a:r>
+              <a:rPr lang="en-US" dirty="0"/>
+              <a:t>         </a:t>
+            </a:r>
+            <a:r>
+              <a:rPr lang="en-US" dirty="0" err="1"/>
+              <a:t>fullpath</a:t>
+            </a:r>
+            <a:r>
+              <a:rPr lang="en-US" dirty="0"/>
+              <a:t>: [914×119 char]          		Full path names for all volumes (for provenance)</a:t>
+            </a:r>
+          </a:p>
+          <a:p>
+            <a:r>
+              <a:rPr lang="en-US" dirty="0"/>
+              <a:t>         </a:t>
+            </a:r>
+            <a:r>
+              <a:rPr lang="en-US" dirty="0" err="1"/>
+              <a:t>mahalanobis</a:t>
+            </a:r>
+            <a:r>
+              <a:rPr lang="en-US" dirty="0"/>
+              <a:t>: [914×5 table]           		</a:t>
+            </a:r>
+            <a:r>
+              <a:rPr lang="en-US" dirty="0" err="1"/>
+              <a:t>Mahalanobis</a:t>
+            </a:r>
+            <a:r>
+              <a:rPr lang="en-US" dirty="0"/>
+              <a:t> distances (for weighting/nuisance)and outlier ID logical</a:t>
+            </a:r>
+          </a:p>
+          <a:p>
+            <a:r>
+              <a:rPr lang="en-US" dirty="0"/>
+              <a:t>         </a:t>
+            </a:r>
+            <a:r>
+              <a:rPr lang="en-US" dirty="0" err="1"/>
+              <a:t>rmssd</a:t>
+            </a:r>
+            <a:r>
+              <a:rPr lang="en-US" dirty="0"/>
+              <a:t>: [1×1 struct] 			Root mean square successive differences and outlier ID logical</a:t>
+            </a:r>
+          </a:p>
+          <a:p>
+            <a:r>
+              <a:rPr lang="en-US" dirty="0"/>
+              <a:t>          </a:t>
+            </a:r>
+            <a:r>
+              <a:rPr lang="en-US" dirty="0" err="1"/>
+              <a:t>gray_white_csf_table</a:t>
+            </a:r>
+            <a:r>
+              <a:rPr lang="en-US" dirty="0"/>
+              <a:t>: [914×5 table]           	Global </a:t>
+            </a:r>
+            <a:r>
+              <a:rPr lang="en-US" dirty="0" err="1"/>
+              <a:t>avg</a:t>
+            </a:r>
+            <a:r>
+              <a:rPr lang="en-US" dirty="0"/>
+              <a:t> gray, white, CSF, and 5 principal components for each; for nuisance</a:t>
+            </a:r>
+          </a:p>
+          <a:p>
+            <a:r>
+              <a:rPr lang="en-US" dirty="0"/>
+              <a:t>          </a:t>
+            </a:r>
+            <a:r>
+              <a:rPr lang="en-US" dirty="0" err="1"/>
+              <a:t>npsplus</a:t>
+            </a:r>
+            <a:r>
+              <a:rPr lang="en-US" dirty="0"/>
+              <a:t>: [1×1 struct] 			Multivariate pattern responses for </a:t>
+            </a:r>
+            <a:r>
+              <a:rPr lang="en-US" dirty="0" err="1"/>
+              <a:t>CANlab</a:t>
+            </a:r>
+            <a:r>
+              <a:rPr lang="en-US" dirty="0"/>
+              <a:t> measures (NPS, more)</a:t>
+            </a:r>
+          </a:p>
+          <a:p>
+            <a:r>
+              <a:rPr lang="en-US" dirty="0"/>
+              <a:t>          </a:t>
+            </a:r>
+            <a:r>
+              <a:rPr lang="en-US" dirty="0" err="1"/>
+              <a:t>kragelemotion</a:t>
+            </a:r>
+            <a:r>
+              <a:rPr lang="en-US" dirty="0"/>
+              <a:t>: [1×1 struct]            	Multivariate pattern responses for </a:t>
+            </a:r>
+            <a:r>
+              <a:rPr lang="en-US" dirty="0" err="1"/>
+              <a:t>Kragel</a:t>
+            </a:r>
+            <a:r>
+              <a:rPr lang="en-US" dirty="0"/>
+              <a:t> 2015 emotion classification</a:t>
+            </a:r>
+          </a:p>
+          <a:p>
+            <a:r>
+              <a:rPr lang="en-US" dirty="0"/>
+              <a:t>          kragel18: [1×1 struct] 			Multivariate PLS pattern responses for </a:t>
+            </a:r>
+            <a:r>
+              <a:rPr lang="en-US" dirty="0" err="1"/>
+              <a:t>Kragel</a:t>
+            </a:r>
+            <a:r>
+              <a:rPr lang="en-US" dirty="0"/>
+              <a:t> 2018 Nat </a:t>
+            </a:r>
+            <a:r>
+              <a:rPr lang="en-US" dirty="0" err="1"/>
+              <a:t>Neurosci</a:t>
+            </a:r>
+            <a:r>
+              <a:rPr lang="en-US" dirty="0"/>
+              <a:t> and </a:t>
+            </a:r>
+            <a:r>
+              <a:rPr lang="en-US" dirty="0" err="1"/>
+              <a:t>subregions</a:t>
+            </a:r>
+            <a:endParaRPr lang="en-US" dirty="0"/>
+          </a:p>
+          <a:p>
+            <a:r>
+              <a:rPr lang="en-US" dirty="0"/>
+              <a:t>          </a:t>
+            </a:r>
+            <a:r>
+              <a:rPr lang="en-US" dirty="0" err="1"/>
+              <a:t>pain_pdm</a:t>
+            </a:r>
+            <a:r>
+              <a:rPr lang="en-US" dirty="0"/>
+              <a:t>: [1×1 struct] 			Multivariate pattern responses for </a:t>
+            </a:r>
+            <a:r>
+              <a:rPr lang="en-US" dirty="0" err="1"/>
+              <a:t>Geuter</a:t>
+            </a:r>
+            <a:r>
+              <a:rPr lang="en-US" dirty="0"/>
+              <a:t> et </a:t>
+            </a:r>
+            <a:r>
+              <a:rPr lang="en-US" dirty="0" err="1"/>
+              <a:t>al.?s</a:t>
+            </a:r>
+            <a:r>
+              <a:rPr lang="en-US" dirty="0"/>
+              <a:t> Prin. </a:t>
+            </a:r>
+            <a:r>
+              <a:rPr lang="en-US" dirty="0" err="1"/>
+              <a:t>Dirs</a:t>
+            </a:r>
+            <a:r>
+              <a:rPr lang="en-US" dirty="0"/>
+              <a:t> of </a:t>
+            </a:r>
+            <a:r>
+              <a:rPr lang="en-US" dirty="0" err="1"/>
+              <a:t>Medation</a:t>
+            </a:r>
+            <a:r>
+              <a:rPr lang="en-US" dirty="0"/>
+              <a:t> (10 patterns, and combined)</a:t>
+            </a:r>
+          </a:p>
+          <a:p>
+            <a:r>
+              <a:rPr lang="en-US" dirty="0"/>
+              <a:t>          PARCELS: [1×1 struct] 			Parcellations: Averages for each parcel, and local pattern responses (selected)</a:t>
+            </a:r>
+          </a:p>
+          <a:p>
+            <a:r>
+              <a:rPr lang="en-US" dirty="0"/>
+              <a:t> </a:t>
+            </a:r>
+          </a:p>
+        </p:txBody>
+      </p:sp>
+    </p:spTree>
+    <p:extLst>
+      <p:ext uri="{BB962C8B-B14F-4D97-AF65-F5344CB8AC3E}">
+        <p14:creationId xmlns:p14="http://schemas.microsoft.com/office/powerpoint/2010/main" val="3170344356"/>
+      </p:ext>
+    </p:extLst>
+  </p:cSld>
+  <p:clrMapOvr>
+    <a:masterClrMapping/>
+  </p:clrMapOvr>
+</p:sld>
+</file>
+
+<file path=ppt/slides/slide4.xml><?xml version="1.0" encoding="utf-8"?>
+<p:sld xmlns:a="http://schemas.openxmlformats.org/drawingml/2006/main" xmlns:r="http://schemas.openxmlformats.org/officeDocument/2006/relationships" xmlns:p="http://schemas.openxmlformats.org/presentationml/2006/main">
+  <p:cSld>
+    <p:spTree>
+      <p:nvGrpSpPr>
+        <p:cNvPr id="1" name=""/>
+        <p:cNvGrpSpPr/>
+        <p:nvPr/>
+      </p:nvGrpSpPr>
+      <p:grpSpPr>
+        <a:xfrm>
+          <a:off x="0" y="0"/>
+          <a:ext cx="0" cy="0"/>
+          <a:chOff x="0" y="0"/>
+          <a:chExt cx="0" cy="0"/>
+        </a:xfrm>
+      </p:grpSpPr>
+      <p:sp>
+        <p:nvSpPr>
+          <p:cNvPr id="2" name="Title 1">
+            <a:extLst>
+              <a:ext uri="{FF2B5EF4-FFF2-40B4-BE49-F238E27FC236}">
+                <a16:creationId xmlns:a16="http://schemas.microsoft.com/office/drawing/2014/main" id="{44F9ECD0-AE64-784C-BF1F-7EC5A4643990}"/>
+              </a:ext>
+            </a:extLst>
+          </p:cNvPr>
+          <p:cNvSpPr>
+            <a:spLocks noGrp="1"/>
+          </p:cNvSpPr>
+          <p:nvPr>
+            <p:ph type="title"/>
+          </p:nvPr>
+        </p:nvSpPr>
+        <p:spPr>
+          <a:xfrm>
+            <a:off x="0" y="0"/>
+            <a:ext cx="10515600" cy="824459"/>
+          </a:xfrm>
+        </p:spPr>
+        <p:txBody>
+          <a:bodyPr/>
+          <a:lstStyle/>
+          <a:p>
+            <a:r>
+              <a:rPr lang="en-US" dirty="0" err="1"/>
+              <a:t>extract_measures_batch</a:t>
+            </a:r>
+            <a:endParaRPr lang="en-US" dirty="0"/>
+          </a:p>
+        </p:txBody>
+      </p:sp>
+      <p:sp>
+        <p:nvSpPr>
+          <p:cNvPr id="4" name="Rectangle 3">
+            <a:extLst>
+              <a:ext uri="{FF2B5EF4-FFF2-40B4-BE49-F238E27FC236}">
+                <a16:creationId xmlns:a16="http://schemas.microsoft.com/office/drawing/2014/main" id="{DA5F9E20-9CFD-174B-9E5F-DC2C78828F8D}"/>
+              </a:ext>
+            </a:extLst>
+          </p:cNvPr>
+          <p:cNvSpPr/>
+          <p:nvPr/>
+        </p:nvSpPr>
+        <p:spPr>
+          <a:xfrm>
+            <a:off x="194873" y="680223"/>
+            <a:ext cx="15634741" cy="2031325"/>
+          </a:xfrm>
+          <a:prstGeom prst="rect">
+            <a:avLst/>
+          </a:prstGeom>
+        </p:spPr>
+        <p:txBody>
+          <a:bodyPr wrap="square">
+            <a:spAutoFit/>
+          </a:bodyPr>
+          <a:lstStyle/>
+          <a:p>
+            <a:r>
+              <a:rPr lang="en-US" dirty="0"/>
+              <a:t>This is a method called </a:t>
+            </a:r>
+            <a:r>
+              <a:rPr lang="en-US" dirty="0" err="1"/>
+              <a:t>extract_measures_batch</a:t>
+            </a:r>
+            <a:r>
+              <a:rPr lang="en-US" dirty="0"/>
+              <a:t> for </a:t>
+            </a:r>
+            <a:r>
+              <a:rPr lang="en-US" dirty="0" err="1"/>
+              <a:t>fmri_objects</a:t>
+            </a:r>
+            <a:r>
+              <a:rPr lang="en-US" dirty="0"/>
+              <a:t>.  </a:t>
+            </a:r>
+          </a:p>
+          <a:p>
+            <a:r>
+              <a:rPr lang="en-US" dirty="0"/>
+              <a:t>  It Extracts a set of measures relevant for pattern-based and network-based analyses. </a:t>
+            </a:r>
+          </a:p>
+          <a:p>
+            <a:r>
+              <a:rPr lang="en-US" dirty="0"/>
+              <a:t>  The idea is to aggregate these across studies, and pull relevant measures from the set </a:t>
+            </a:r>
+          </a:p>
+          <a:p>
+            <a:r>
+              <a:rPr lang="en-US" dirty="0"/>
+              <a:t>  for particular analyses.  It returns the following structure:</a:t>
+            </a:r>
+          </a:p>
+          <a:p>
+            <a:endParaRPr lang="en-US" dirty="0"/>
+          </a:p>
+          <a:p>
+            <a:r>
+              <a:rPr lang="en-US" dirty="0"/>
+              <a:t>See help </a:t>
+            </a:r>
+            <a:r>
+              <a:rPr lang="en-US" dirty="0" err="1"/>
+              <a:t>extract_measures_batch</a:t>
+            </a:r>
+            <a:r>
+              <a:rPr lang="en-US" dirty="0"/>
+              <a:t> for more info</a:t>
+            </a:r>
+          </a:p>
+          <a:p>
+            <a:r>
+              <a:rPr lang="en-US" dirty="0"/>
+              <a:t> </a:t>
+            </a:r>
+          </a:p>
+        </p:txBody>
+      </p:sp>
+    </p:spTree>
+    <p:extLst>
+      <p:ext uri="{BB962C8B-B14F-4D97-AF65-F5344CB8AC3E}">
+        <p14:creationId xmlns:p14="http://schemas.microsoft.com/office/powerpoint/2010/main" val="1533523181"/>
+      </p:ext>
+    </p:extLst>
+  </p:cSld>
+  <p:clrMapOvr>
+    <a:masterClrMapping/>
+  </p:clrMapOvr>
+</p:sld>
+</file>
+
+<file path=ppt/slides/slide5.xml><?xml version="1.0" encoding="utf-8"?>
+<p:sld xmlns:a="http://schemas.openxmlformats.org/drawingml/2006/main" xmlns:r="http://schemas.openxmlformats.org/officeDocument/2006/relationships" xmlns:p="http://schemas.openxmlformats.org/presentationml/2006/main">
+  <p:cSld>
+    <p:spTree>
+      <p:nvGrpSpPr>
+        <p:cNvPr id="1" name=""/>
+        <p:cNvGrpSpPr/>
+        <p:nvPr/>
+      </p:nvGrpSpPr>
+      <p:grpSpPr>
+        <a:xfrm>
+          <a:off x="0" y="0"/>
+          <a:ext cx="0" cy="0"/>
+          <a:chOff x="0" y="0"/>
+          <a:chExt cx="0" cy="0"/>
+        </a:xfrm>
+      </p:grpSpPr>
+      <p:sp>
+        <p:nvSpPr>
+          <p:cNvPr id="2" name="Title 1">
+            <a:extLst>
+              <a:ext uri="{FF2B5EF4-FFF2-40B4-BE49-F238E27FC236}">
+                <a16:creationId xmlns:a16="http://schemas.microsoft.com/office/drawing/2014/main" id="{44F9ECD0-AE64-784C-BF1F-7EC5A4643990}"/>
+              </a:ext>
+            </a:extLst>
+          </p:cNvPr>
+          <p:cNvSpPr>
+            <a:spLocks noGrp="1"/>
+          </p:cNvSpPr>
+          <p:nvPr>
+            <p:ph type="title"/>
+          </p:nvPr>
+        </p:nvSpPr>
+        <p:spPr>
+          <a:xfrm>
+            <a:off x="0" y="0"/>
+            <a:ext cx="10515600" cy="824459"/>
+          </a:xfrm>
+        </p:spPr>
+        <p:txBody>
+          <a:bodyPr/>
+          <a:lstStyle/>
+          <a:p>
+            <a:r>
+              <a:rPr lang="en-US" dirty="0" err="1"/>
+              <a:t>extract_measures_batch</a:t>
+            </a:r>
+            <a:endParaRPr lang="en-US" dirty="0"/>
+          </a:p>
+        </p:txBody>
+      </p:sp>
+      <p:sp>
+        <p:nvSpPr>
+          <p:cNvPr id="3" name="Rectangle 2">
+            <a:extLst>
+              <a:ext uri="{FF2B5EF4-FFF2-40B4-BE49-F238E27FC236}">
+                <a16:creationId xmlns:a16="http://schemas.microsoft.com/office/drawing/2014/main" id="{19258060-8937-3B43-9319-7BEA0AA568CC}"/>
+              </a:ext>
+            </a:extLst>
+          </p:cNvPr>
+          <p:cNvSpPr/>
+          <p:nvPr/>
+        </p:nvSpPr>
+        <p:spPr>
+          <a:xfrm>
+            <a:off x="524655" y="1690688"/>
+            <a:ext cx="11787266" cy="4401205"/>
+          </a:xfrm>
+          <a:prstGeom prst="rect">
+            <a:avLst/>
+          </a:prstGeom>
+        </p:spPr>
+        <p:txBody>
+          <a:bodyPr wrap="square">
+            <a:spAutoFit/>
+          </a:bodyPr>
+          <a:lstStyle/>
+          <a:p>
+            <a:r>
+              <a:rPr lang="en-US" sz="1400" dirty="0"/>
+              <a:t>NUISANCE COVARIATES:</a:t>
+            </a:r>
+          </a:p>
+          <a:p>
+            <a:r>
+              <a:rPr lang="en-US" sz="1400" dirty="0"/>
+              <a:t>  Here is a reasonable set of nuisance covariates. If you are </a:t>
+            </a:r>
+            <a:r>
+              <a:rPr lang="en-US" sz="1400" dirty="0" err="1"/>
+              <a:t>contenating</a:t>
+            </a:r>
+            <a:endParaRPr lang="en-US" sz="1400" dirty="0"/>
+          </a:p>
+          <a:p>
+            <a:r>
+              <a:rPr lang="en-US" sz="1400" dirty="0"/>
+              <a:t>  across runs (when </a:t>
+            </a:r>
+            <a:r>
+              <a:rPr lang="en-US" sz="1400" dirty="0" err="1"/>
+              <a:t>scaner</a:t>
+            </a:r>
+            <a:r>
+              <a:rPr lang="en-US" sz="1400" dirty="0"/>
+              <a:t> starts and stops), add indicator vectors for</a:t>
+            </a:r>
+          </a:p>
+          <a:p>
+            <a:r>
+              <a:rPr lang="en-US" sz="1400" dirty="0"/>
+              <a:t>  run, plus movement covariates (e.g., 24 per run, not included.)</a:t>
+            </a:r>
+          </a:p>
+          <a:p>
+            <a:r>
+              <a:rPr lang="en-US" sz="1400" dirty="0"/>
+              <a:t> </a:t>
+            </a:r>
+          </a:p>
+          <a:p>
+            <a:r>
+              <a:rPr lang="en-US" sz="1400" dirty="0"/>
+              <a:t>  First, turn outlier vector into a set of separate  dummy regressors for each outlier point</a:t>
+            </a:r>
+          </a:p>
+          <a:p>
+            <a:r>
+              <a:rPr lang="en-US" sz="1400" dirty="0"/>
+              <a:t>  outliers = </a:t>
+            </a:r>
+            <a:r>
+              <a:rPr lang="en-US" sz="1400" dirty="0" err="1"/>
+              <a:t>DAT.mahalanobis.wh_outlier_uncorr</a:t>
+            </a:r>
+            <a:r>
+              <a:rPr lang="en-US" sz="1400" dirty="0"/>
+              <a:t> | </a:t>
+            </a:r>
+            <a:r>
+              <a:rPr lang="en-US" sz="1400" dirty="0" err="1"/>
+              <a:t>DAT.rmssd.wh_outliers_rmssd</a:t>
+            </a:r>
+            <a:r>
+              <a:rPr lang="en-US" sz="1400" dirty="0"/>
+              <a:t>;  % returns a logical vector of outlier images </a:t>
+            </a:r>
+            <a:r>
+              <a:rPr lang="en-US" sz="1400" dirty="0" err="1"/>
+              <a:t>id'd</a:t>
+            </a:r>
+            <a:r>
+              <a:rPr lang="en-US" sz="1400" dirty="0"/>
+              <a:t> as having high </a:t>
+            </a:r>
+            <a:r>
+              <a:rPr lang="en-US" sz="1400" dirty="0" err="1"/>
+              <a:t>Mahalanobis</a:t>
+            </a:r>
+            <a:r>
+              <a:rPr lang="en-US" sz="1400" dirty="0"/>
+              <a:t> distances</a:t>
+            </a:r>
+          </a:p>
+          <a:p>
+            <a:r>
+              <a:rPr lang="en-US" sz="1400" dirty="0"/>
+              <a:t>  outliers = double(outliers);</a:t>
+            </a:r>
+          </a:p>
+          <a:p>
+            <a:r>
+              <a:rPr lang="en-US" sz="1400" dirty="0"/>
+              <a:t>  outliers(outliers &gt; 0) = find(outliers);</a:t>
+            </a:r>
+          </a:p>
+          <a:p>
+            <a:r>
+              <a:rPr lang="en-US" sz="1400" dirty="0"/>
+              <a:t>  [</a:t>
+            </a:r>
+            <a:r>
+              <a:rPr lang="en-US" sz="1400" dirty="0" err="1"/>
+              <a:t>outlier_indic</a:t>
+            </a:r>
+            <a:r>
+              <a:rPr lang="en-US" sz="1400" dirty="0"/>
+              <a:t>, </a:t>
+            </a:r>
+            <a:r>
+              <a:rPr lang="en-US" sz="1400" dirty="0" err="1"/>
+              <a:t>outlier_levels</a:t>
+            </a:r>
+            <a:r>
+              <a:rPr lang="en-US" sz="1400" dirty="0"/>
+              <a:t>] = condf2indic(outliers);</a:t>
+            </a:r>
+          </a:p>
+          <a:p>
+            <a:r>
+              <a:rPr lang="en-US" sz="1400" dirty="0"/>
+              <a:t>  </a:t>
+            </a:r>
+            <a:r>
+              <a:rPr lang="en-US" sz="1400" dirty="0" err="1"/>
+              <a:t>outlier_indic</a:t>
+            </a:r>
+            <a:r>
+              <a:rPr lang="en-US" sz="1400" dirty="0"/>
+              <a:t>(:, </a:t>
+            </a:r>
+            <a:r>
+              <a:rPr lang="en-US" sz="1400" dirty="0" err="1"/>
+              <a:t>outlier_levels</a:t>
+            </a:r>
+            <a:r>
+              <a:rPr lang="en-US" sz="1400" dirty="0"/>
+              <a:t> == 0) = [];</a:t>
+            </a:r>
+          </a:p>
+          <a:p>
+            <a:r>
+              <a:rPr lang="en-US" sz="1400" dirty="0"/>
+              <a:t>  </a:t>
+            </a:r>
+            <a:r>
+              <a:rPr lang="en-US" sz="1400" dirty="0" err="1"/>
+              <a:t>outlier_names</a:t>
+            </a:r>
+            <a:r>
+              <a:rPr lang="en-US" sz="1400" dirty="0"/>
+              <a:t> = {};</a:t>
+            </a:r>
+          </a:p>
+          <a:p>
+            <a:r>
+              <a:rPr lang="en-US" sz="1400" dirty="0"/>
+              <a:t>  for </a:t>
+            </a:r>
+            <a:r>
+              <a:rPr lang="en-US" sz="1400" dirty="0" err="1"/>
+              <a:t>i</a:t>
+            </a:r>
+            <a:r>
+              <a:rPr lang="en-US" sz="1400" dirty="0"/>
+              <a:t> = 1:size(</a:t>
+            </a:r>
+            <a:r>
+              <a:rPr lang="en-US" sz="1400" dirty="0" err="1"/>
+              <a:t>outlier_indic</a:t>
+            </a:r>
+            <a:r>
+              <a:rPr lang="en-US" sz="1400" dirty="0"/>
+              <a:t>, 2)</a:t>
+            </a:r>
+          </a:p>
+          <a:p>
+            <a:r>
+              <a:rPr lang="en-US" sz="1400" dirty="0"/>
+              <a:t>      </a:t>
+            </a:r>
+            <a:r>
+              <a:rPr lang="en-US" sz="1400" dirty="0" err="1"/>
+              <a:t>outlier_names</a:t>
+            </a:r>
+            <a:r>
+              <a:rPr lang="en-US" sz="1400" dirty="0"/>
+              <a:t>{</a:t>
+            </a:r>
+            <a:r>
+              <a:rPr lang="en-US" sz="1400" dirty="0" err="1"/>
+              <a:t>i</a:t>
+            </a:r>
+            <a:r>
+              <a:rPr lang="en-US" sz="1400" dirty="0"/>
+              <a:t>} = </a:t>
+            </a:r>
+            <a:r>
+              <a:rPr lang="en-US" sz="1400" dirty="0" err="1"/>
+              <a:t>sprintf</a:t>
+            </a:r>
+            <a:r>
+              <a:rPr lang="en-US" sz="1400" dirty="0"/>
+              <a:t>('Spike%3.0f', </a:t>
+            </a:r>
+            <a:r>
+              <a:rPr lang="en-US" sz="1400" dirty="0" err="1"/>
+              <a:t>i</a:t>
+            </a:r>
+            <a:r>
+              <a:rPr lang="en-US" sz="1400" dirty="0"/>
+              <a:t>);</a:t>
+            </a:r>
+          </a:p>
+          <a:p>
+            <a:r>
+              <a:rPr lang="en-US" sz="1400" dirty="0"/>
+              <a:t>  end</a:t>
+            </a:r>
+          </a:p>
+          <a:p>
+            <a:r>
+              <a:rPr lang="en-US" sz="1400" dirty="0"/>
+              <a:t> </a:t>
+            </a:r>
+          </a:p>
+          <a:p>
+            <a:r>
+              <a:rPr lang="en-US" sz="1400" dirty="0"/>
+              <a:t>  Second, pull out other covariates and concatenate them into a matrix:</a:t>
+            </a:r>
+          </a:p>
+          <a:p>
+            <a:r>
+              <a:rPr lang="en-US" sz="1400" dirty="0"/>
+              <a:t>  </a:t>
+            </a:r>
+            <a:r>
+              <a:rPr lang="en-US" sz="1400" dirty="0" err="1"/>
+              <a:t>cov_matrix</a:t>
+            </a:r>
+            <a:r>
+              <a:rPr lang="en-US" sz="1400" dirty="0"/>
+              <a:t> = [DAT.gray_white_csf_table.csf5 DAT.gray_white_csf_table.gwcsf_l2norm(:, 3) </a:t>
+            </a:r>
+            <a:r>
+              <a:rPr lang="en-US" sz="1400" dirty="0" err="1"/>
+              <a:t>zscore</a:t>
+            </a:r>
+            <a:r>
+              <a:rPr lang="en-US" sz="1400" dirty="0"/>
+              <a:t>(</a:t>
+            </a:r>
+            <a:r>
+              <a:rPr lang="en-US" sz="1400" dirty="0" err="1"/>
+              <a:t>DAT.rmssd.rmssd</a:t>
+            </a:r>
+            <a:r>
+              <a:rPr lang="en-US" sz="1400" dirty="0"/>
+              <a:t>) </a:t>
+            </a:r>
+            <a:r>
+              <a:rPr lang="en-US" sz="1400" dirty="0" err="1"/>
+              <a:t>outlier_indic</a:t>
+            </a:r>
+            <a:r>
+              <a:rPr lang="en-US" sz="1400" dirty="0"/>
+              <a:t>];</a:t>
+            </a:r>
+          </a:p>
+          <a:p>
+            <a:r>
+              <a:rPr lang="en-US" sz="1400" dirty="0"/>
+              <a:t>  </a:t>
+            </a:r>
+            <a:r>
+              <a:rPr lang="en-US" sz="1400" dirty="0" err="1"/>
+              <a:t>cov_names</a:t>
+            </a:r>
+            <a:r>
+              <a:rPr lang="en-US" sz="1400" dirty="0"/>
+              <a:t> = [{'CSF_comp1' 'CSF_comp1' 'CSF_comp1' 'CSF_comp1' 'CSF_comp1' 'CSF_l2norm' '</a:t>
+            </a:r>
+            <a:r>
+              <a:rPr lang="en-US" sz="1400" dirty="0" err="1"/>
+              <a:t>rmssd</a:t>
+            </a:r>
+            <a:r>
+              <a:rPr lang="en-US" sz="1400" dirty="0"/>
+              <a:t>'} </a:t>
+            </a:r>
+            <a:r>
+              <a:rPr lang="en-US" sz="1400" dirty="0" err="1"/>
+              <a:t>outlier_names</a:t>
+            </a:r>
+            <a:r>
+              <a:rPr lang="en-US" sz="1400" dirty="0"/>
+              <a:t>];</a:t>
+            </a:r>
+          </a:p>
+        </p:txBody>
+      </p:sp>
+      <p:sp>
+        <p:nvSpPr>
+          <p:cNvPr id="4" name="TextBox 3">
+            <a:extLst>
+              <a:ext uri="{FF2B5EF4-FFF2-40B4-BE49-F238E27FC236}">
+                <a16:creationId xmlns:a16="http://schemas.microsoft.com/office/drawing/2014/main" id="{81A8BD7A-0CE9-9643-A1FF-EB02FC622B82}"/>
+              </a:ext>
+            </a:extLst>
+          </p:cNvPr>
+          <p:cNvSpPr txBox="1"/>
+          <p:nvPr/>
+        </p:nvSpPr>
+        <p:spPr>
+          <a:xfrm>
+            <a:off x="149901" y="824459"/>
+            <a:ext cx="5315814" cy="369332"/>
+          </a:xfrm>
+          <a:prstGeom prst="rect">
+            <a:avLst/>
+          </a:prstGeom>
+          <a:noFill/>
+        </p:spPr>
+        <p:txBody>
+          <a:bodyPr wrap="none" rtlCol="0">
+            <a:spAutoFit/>
+          </a:bodyPr>
+          <a:lstStyle/>
+          <a:p>
+            <a:r>
+              <a:rPr lang="en-US" b="1" dirty="0"/>
+              <a:t>Creating a set of nuisance covariates from the output:</a:t>
+            </a:r>
+          </a:p>
+        </p:txBody>
+      </p:sp>
+    </p:spTree>
+    <p:extLst>
+      <p:ext uri="{BB962C8B-B14F-4D97-AF65-F5344CB8AC3E}">
+        <p14:creationId xmlns:p14="http://schemas.microsoft.com/office/powerpoint/2010/main" val="1968541084"/>
+      </p:ext>
+    </p:extLst>
+  </p:cSld>
+  <p:clrMapOvr>
+    <a:masterClrMapping/>
+  </p:clrMapOvr>
+</p:sld>
+</file>
+
 <file path=ppt/theme/theme1.xml><?xml version="1.0" encoding="utf-8"?>
 <a:theme xmlns:a="http://schemas.openxmlformats.org/drawingml/2006/main" name="Office Theme">
   <a:themeElements>
